--- a/spec/Functions/diagrams/Example.pptx
+++ b/spec/Functions/diagrams/Example.pptx
@@ -200,7 +200,7 @@
           <a:p>
             <a:fld id="{37CCF725-7468-4D3D-9E24-A16745BBBA77}" type="datetimeFigureOut">
               <a:rPr lang="de-DE" smtClean="0"/>
-              <a:t>20.08.2025</a:t>
+              <a:t>29.08.2025</a:t>
             </a:fld>
             <a:endParaRPr lang="de-DE"/>
           </a:p>
@@ -598,7 +598,7 @@
           <a:p>
             <a:fld id="{9A2764DB-E7DF-4EA7-A1AF-05A77C280FCA}" type="datetimeFigureOut">
               <a:rPr lang="de-DE" smtClean="0"/>
-              <a:t>20.08.2025</a:t>
+              <a:t>29.08.2025</a:t>
             </a:fld>
             <a:endParaRPr lang="de-DE"/>
           </a:p>
@@ -768,7 +768,7 @@
           <a:p>
             <a:fld id="{9A2764DB-E7DF-4EA7-A1AF-05A77C280FCA}" type="datetimeFigureOut">
               <a:rPr lang="de-DE" smtClean="0"/>
-              <a:t>20.08.2025</a:t>
+              <a:t>29.08.2025</a:t>
             </a:fld>
             <a:endParaRPr lang="de-DE"/>
           </a:p>
@@ -948,7 +948,7 @@
           <a:p>
             <a:fld id="{9A2764DB-E7DF-4EA7-A1AF-05A77C280FCA}" type="datetimeFigureOut">
               <a:rPr lang="de-DE" smtClean="0"/>
-              <a:t>20.08.2025</a:t>
+              <a:t>29.08.2025</a:t>
             </a:fld>
             <a:endParaRPr lang="de-DE"/>
           </a:p>
@@ -1118,7 +1118,7 @@
           <a:p>
             <a:fld id="{9A2764DB-E7DF-4EA7-A1AF-05A77C280FCA}" type="datetimeFigureOut">
               <a:rPr lang="de-DE" smtClean="0"/>
-              <a:t>20.08.2025</a:t>
+              <a:t>29.08.2025</a:t>
             </a:fld>
             <a:endParaRPr lang="de-DE"/>
           </a:p>
@@ -1364,7 +1364,7 @@
           <a:p>
             <a:fld id="{9A2764DB-E7DF-4EA7-A1AF-05A77C280FCA}" type="datetimeFigureOut">
               <a:rPr lang="de-DE" smtClean="0"/>
-              <a:t>20.08.2025</a:t>
+              <a:t>29.08.2025</a:t>
             </a:fld>
             <a:endParaRPr lang="de-DE"/>
           </a:p>
@@ -1596,7 +1596,7 @@
           <a:p>
             <a:fld id="{9A2764DB-E7DF-4EA7-A1AF-05A77C280FCA}" type="datetimeFigureOut">
               <a:rPr lang="de-DE" smtClean="0"/>
-              <a:t>20.08.2025</a:t>
+              <a:t>29.08.2025</a:t>
             </a:fld>
             <a:endParaRPr lang="de-DE"/>
           </a:p>
@@ -1963,7 +1963,7 @@
           <a:p>
             <a:fld id="{9A2764DB-E7DF-4EA7-A1AF-05A77C280FCA}" type="datetimeFigureOut">
               <a:rPr lang="de-DE" smtClean="0"/>
-              <a:t>20.08.2025</a:t>
+              <a:t>29.08.2025</a:t>
             </a:fld>
             <a:endParaRPr lang="de-DE"/>
           </a:p>
@@ -2081,7 +2081,7 @@
           <a:p>
             <a:fld id="{9A2764DB-E7DF-4EA7-A1AF-05A77C280FCA}" type="datetimeFigureOut">
               <a:rPr lang="de-DE" smtClean="0"/>
-              <a:t>20.08.2025</a:t>
+              <a:t>29.08.2025</a:t>
             </a:fld>
             <a:endParaRPr lang="de-DE"/>
           </a:p>
@@ -2176,7 +2176,7 @@
           <a:p>
             <a:fld id="{9A2764DB-E7DF-4EA7-A1AF-05A77C280FCA}" type="datetimeFigureOut">
               <a:rPr lang="de-DE" smtClean="0"/>
-              <a:t>20.08.2025</a:t>
+              <a:t>29.08.2025</a:t>
             </a:fld>
             <a:endParaRPr lang="de-DE"/>
           </a:p>
@@ -2453,7 +2453,7 @@
           <a:p>
             <a:fld id="{9A2764DB-E7DF-4EA7-A1AF-05A77C280FCA}" type="datetimeFigureOut">
               <a:rPr lang="de-DE" smtClean="0"/>
-              <a:t>20.08.2025</a:t>
+              <a:t>29.08.2025</a:t>
             </a:fld>
             <a:endParaRPr lang="de-DE"/>
           </a:p>
@@ -2710,7 +2710,7 @@
           <a:p>
             <a:fld id="{9A2764DB-E7DF-4EA7-A1AF-05A77C280FCA}" type="datetimeFigureOut">
               <a:rPr lang="de-DE" smtClean="0"/>
-              <a:t>20.08.2025</a:t>
+              <a:t>29.08.2025</a:t>
             </a:fld>
             <a:endParaRPr lang="de-DE"/>
           </a:p>
@@ -2989,7 +2989,7 @@
           <a:p>
             <a:fld id="{9A2764DB-E7DF-4EA7-A1AF-05A77C280FCA}" type="datetimeFigureOut">
               <a:rPr lang="de-DE" smtClean="0"/>
-              <a:t>20.08.2025</a:t>
+              <a:t>29.08.2025</a:t>
             </a:fld>
             <a:endParaRPr lang="de-DE"/>
           </a:p>
